--- a/9. Az egyház szerepe a középkori művelődésben és a mindennapokban.pptx
+++ b/9. Az egyház szerepe a középkori művelődésben és a mindennapokban.pptx
@@ -3423,7 +3423,7 @@
           <a:lstStyle/>
           <a:p>
             <a:r>
-              <a:rPr lang="hu-HU" b="1" dirty="0">
+              <a:rPr lang="hu-HU" b="1">
                 <a:solidFill>
                   <a:schemeClr val="accent4">
                     <a:lumMod val="75000"/>
@@ -3432,6 +3432,13 @@
               </a:rPr>
               <a:t>Előzmények</a:t>
             </a:r>
+            <a:endParaRPr lang="hu-HU" b="1" dirty="0">
+              <a:solidFill>
+                <a:schemeClr val="accent4">
+                  <a:lumMod val="75000"/>
+                </a:schemeClr>
+              </a:solidFill>
+            </a:endParaRPr>
           </a:p>
         </p:txBody>
       </p:sp>
@@ -3454,19 +3461,21 @@
         <p:spPr>
           <a:xfrm>
             <a:off x="838200" y="1825625"/>
-            <a:ext cx="10515600" cy="4351338"/>
+            <a:ext cx="6245506" cy="4351338"/>
           </a:xfrm>
         </p:spPr>
         <p:txBody>
           <a:bodyPr/>
           <a:lstStyle/>
           <a:p>
+            <a:pPr algn="just"/>
             <a:r>
               <a:rPr lang="hu-HU" dirty="0"/>
               <a:t>A Nyugatrómai Birodalom után germán királyságok jöttek létre, ahol kezdetben a pogány hitvilág volt elterjedt.</a:t>
             </a:r>
           </a:p>
           <a:p>
+            <a:pPr algn="just"/>
             <a:r>
               <a:rPr lang="hu-HU" dirty="0"/>
               <a:t>A hittérítő papok hatására és erőszakkal Európa áttért a kereszténységre.</a:t>
@@ -3476,10 +3485,10 @@
       </p:sp>
       <p:pic>
         <p:nvPicPr>
-          <p:cNvPr id="2050" name="Picture 2" descr="Megmondom: Miért lett sikeres a kereszténység (2) - térítés, kapcsolati  háló és kizárólagosság">
-            <a:extLst>
-              <a:ext uri="{FF2B5EF4-FFF2-40B4-BE49-F238E27FC236}">
-                <a16:creationId xmlns:a16="http://schemas.microsoft.com/office/drawing/2014/main" id="{DC806842-CB76-46CF-A7E1-00F7D92A08A0}"/>
+          <p:cNvPr id="15" name="Picture 2" descr="Megmondom: Miért lett sikeres a kereszténység (2) - térítés, kapcsolati  háló és kizárólagosság">
+            <a:extLst>
+              <a:ext uri="{FF2B5EF4-FFF2-40B4-BE49-F238E27FC236}">
+                <a16:creationId xmlns:a16="http://schemas.microsoft.com/office/drawing/2014/main" id="{A376F3E3-88FA-8F37-13C8-A3CDBC065432}"/>
               </a:ext>
             </a:extLst>
           </p:cNvPr>
@@ -3488,7 +3497,7 @@
           </p:cNvPicPr>
           <p:nvPr/>
         </p:nvPicPr>
-        <p:blipFill>
+        <p:blipFill rotWithShape="1">
           <a:blip r:embed="rId2">
             <a:extLst>
               <a:ext uri="{28A0092B-C50C-407E-A947-70E740481C1C}">
@@ -3496,20 +3505,57 @@
               </a:ext>
             </a:extLst>
           </a:blip>
-          <a:srcRect/>
-          <a:stretch>
-            <a:fillRect/>
-          </a:stretch>
+          <a:srcRect l="34171" r="9578"/>
+          <a:stretch/>
         </p:blipFill>
         <p:spPr bwMode="auto">
           <a:xfrm>
-            <a:off x="7429500" y="0"/>
-            <a:ext cx="4762500" cy="2676525"/>
+            <a:off x="8009683" y="1890957"/>
+            <a:ext cx="3076085" cy="3076085"/>
           </a:xfrm>
-          <a:prstGeom prst="rect">
+          <a:custGeom>
             <a:avLst/>
-          </a:prstGeom>
+            <a:gdLst/>
+            <a:ahLst/>
+            <a:cxnLst/>
+            <a:rect l="l" t="t" r="r" b="b"/>
+            <a:pathLst>
+              <a:path w="2388070" h="2388070">
+                <a:moveTo>
+                  <a:pt x="1194035" y="0"/>
+                </a:moveTo>
+                <a:cubicBezTo>
+                  <a:pt x="1853482" y="0"/>
+                  <a:pt x="2388070" y="534588"/>
+                  <a:pt x="2388070" y="1194035"/>
+                </a:cubicBezTo>
+                <a:cubicBezTo>
+                  <a:pt x="2388070" y="1853482"/>
+                  <a:pt x="1853482" y="2388070"/>
+                  <a:pt x="1194035" y="2388070"/>
+                </a:cubicBezTo>
+                <a:cubicBezTo>
+                  <a:pt x="534588" y="2388070"/>
+                  <a:pt x="0" y="1853482"/>
+                  <a:pt x="0" y="1194035"/>
+                </a:cubicBezTo>
+                <a:cubicBezTo>
+                  <a:pt x="0" y="534588"/>
+                  <a:pt x="534588" y="0"/>
+                  <a:pt x="1194035" y="0"/>
+                </a:cubicBezTo>
+                <a:close/>
+              </a:path>
+            </a:pathLst>
+          </a:custGeom>
           <a:noFill/>
+          <a:ln w="28575">
+            <a:solidFill>
+              <a:schemeClr val="accent2">
+                <a:lumMod val="75000"/>
+              </a:schemeClr>
+            </a:solidFill>
+          </a:ln>
           <a:extLst>
             <a:ext uri="{909E8E84-426E-40DD-AFC4-6F175D3DCCD1}">
               <a14:hiddenFill xmlns:a14="http://schemas.microsoft.com/office/drawing/2010/main">
